--- a/2021 01주 깃허브 협업자 추가 및 푸쉬.pptx
+++ b/2021 01주 깃허브 협업자 추가 및 푸쉬.pptx
@@ -6,18 +6,22 @@
     <p:sldMasterId id="2147483672" r:id="rId2"/>
   </p:sldMasterIdLst>
   <p:notesMasterIdLst>
-    <p:notesMasterId r:id="rId7"/>
+    <p:notesMasterId r:id="rId11"/>
   </p:notesMasterIdLst>
   <p:sldIdLst>
     <p:sldId id="592" r:id="rId3"/>
     <p:sldId id="607" r:id="rId4"/>
     <p:sldId id="605" r:id="rId5"/>
     <p:sldId id="606" r:id="rId6"/>
+    <p:sldId id="608" r:id="rId7"/>
+    <p:sldId id="609" r:id="rId8"/>
+    <p:sldId id="610" r:id="rId9"/>
+    <p:sldId id="611" r:id="rId10"/>
   </p:sldIdLst>
   <p:sldSz cx="9144000" cy="6858000" type="screen4x3"/>
   <p:notesSz cx="6807200" cy="9939338"/>
   <p:custDataLst>
-    <p:tags r:id="rId8"/>
+    <p:tags r:id="rId12"/>
   </p:custDataLst>
   <p:defaultTextStyle>
     <a:defPPr>
@@ -47005,6 +47009,13 @@
   <p:clrMapOvr>
     <a:masterClrMapping/>
   </p:clrMapOvr>
+  <p:timing>
+    <p:tnLst>
+      <p:par>
+        <p:cTn id="1" dur="indefinite" restart="never" nodeType="tmRoot"/>
+      </p:par>
+    </p:tnLst>
+  </p:timing>
 </p:sld>
 </file>
 
@@ -47162,6 +47173,509 @@
     <p:extLst>
       <p:ext uri="{BB962C8B-B14F-4D97-AF65-F5344CB8AC3E}">
         <p14:creationId xmlns:p14="http://schemas.microsoft.com/office/powerpoint/2010/main" val="232671481"/>
+      </p:ext>
+    </p:extLst>
+  </p:cSld>
+  <p:clrMapOvr>
+    <a:masterClrMapping/>
+  </p:clrMapOvr>
+  <p:timing>
+    <p:tnLst>
+      <p:par>
+        <p:cTn id="1" dur="indefinite" restart="never" nodeType="tmRoot"/>
+      </p:par>
+    </p:tnLst>
+  </p:timing>
+</p:sld>
+</file>
+
+<file path=ppt/slides/slide5.xml><?xml version="1.0" encoding="utf-8"?>
+<p:sld xmlns:a="http://schemas.openxmlformats.org/drawingml/2006/main" xmlns:r="http://schemas.openxmlformats.org/officeDocument/2006/relationships" xmlns:p="http://schemas.openxmlformats.org/presentationml/2006/main">
+  <p:cSld>
+    <p:spTree>
+      <p:nvGrpSpPr>
+        <p:cNvPr id="1" name=""/>
+        <p:cNvGrpSpPr/>
+        <p:nvPr/>
+      </p:nvGrpSpPr>
+      <p:grpSpPr>
+        <a:xfrm>
+          <a:off x="0" y="0"/>
+          <a:ext cx="0" cy="0"/>
+          <a:chOff x="0" y="0"/>
+          <a:chExt cx="0" cy="0"/>
+        </a:xfrm>
+      </p:grpSpPr>
+      <p:sp>
+        <p:nvSpPr>
+          <p:cNvPr id="2" name="슬라이드 번호 개체 틀 1"/>
+          <p:cNvSpPr>
+            <a:spLocks noGrp="1"/>
+          </p:cNvSpPr>
+          <p:nvPr>
+            <p:ph type="sldNum" sz="quarter" idx="4"/>
+          </p:nvPr>
+        </p:nvSpPr>
+        <p:spPr/>
+        <p:txBody>
+          <a:bodyPr/>
+          <a:lstStyle/>
+          <a:p>
+            <a:fld id="{B4F3E208-3B10-45C3-AB64-9D3429F1AD1A}" type="slidenum">
+              <a:rPr lang="ko-KR" altLang="en-US" smtClean="0"/>
+              <a:pPr/>
+              <a:t>5</a:t>
+            </a:fld>
+            <a:endParaRPr lang="ko-KR" altLang="en-US"/>
+          </a:p>
+        </p:txBody>
+      </p:sp>
+      <p:sp>
+        <p:nvSpPr>
+          <p:cNvPr id="3" name="내용 개체 틀 2"/>
+          <p:cNvSpPr>
+            <a:spLocks noGrp="1"/>
+          </p:cNvSpPr>
+          <p:nvPr>
+            <p:ph idx="1"/>
+          </p:nvPr>
+        </p:nvSpPr>
+        <p:spPr/>
+        <p:txBody>
+          <a:bodyPr/>
+          <a:lstStyle/>
+          <a:p>
+            <a:endParaRPr lang="ko-KR" altLang="en-US"/>
+          </a:p>
+        </p:txBody>
+      </p:sp>
+      <p:sp>
+        <p:nvSpPr>
+          <p:cNvPr id="4" name="텍스트 개체 틀 3"/>
+          <p:cNvSpPr>
+            <a:spLocks noGrp="1"/>
+          </p:cNvSpPr>
+          <p:nvPr>
+            <p:ph type="body" sz="quarter" idx="10"/>
+          </p:nvPr>
+        </p:nvSpPr>
+        <p:spPr/>
+        <p:txBody>
+          <a:bodyPr/>
+          <a:lstStyle/>
+          <a:p>
+            <a:r>
+              <a:rPr lang="ko-KR" altLang="en-US" dirty="0" err="1" smtClean="0"/>
+              <a:t>협업자</a:t>
+            </a:r>
+            <a:r>
+              <a:rPr lang="ko-KR" altLang="en-US" dirty="0" smtClean="0"/>
+              <a:t> 추가</a:t>
+            </a:r>
+            <a:endParaRPr lang="ko-KR" altLang="en-US" dirty="0"/>
+          </a:p>
+        </p:txBody>
+      </p:sp>
+      <p:pic>
+        <p:nvPicPr>
+          <p:cNvPr id="5" name="그림 4"/>
+          <p:cNvPicPr>
+            <a:picLocks noChangeAspect="1"/>
+          </p:cNvPicPr>
+          <p:nvPr/>
+        </p:nvPicPr>
+        <p:blipFill>
+          <a:blip r:embed="rId2"/>
+          <a:stretch>
+            <a:fillRect/>
+          </a:stretch>
+        </p:blipFill>
+        <p:spPr>
+          <a:xfrm>
+            <a:off x="1161912" y="1461829"/>
+            <a:ext cx="6794463" cy="4516080"/>
+          </a:xfrm>
+          <a:prstGeom prst="rect">
+            <a:avLst/>
+          </a:prstGeom>
+        </p:spPr>
+      </p:pic>
+    </p:spTree>
+    <p:extLst>
+      <p:ext uri="{BB962C8B-B14F-4D97-AF65-F5344CB8AC3E}">
+        <p14:creationId xmlns:p14="http://schemas.microsoft.com/office/powerpoint/2010/main" val="596251942"/>
+      </p:ext>
+    </p:extLst>
+  </p:cSld>
+  <p:clrMapOvr>
+    <a:masterClrMapping/>
+  </p:clrMapOvr>
+</p:sld>
+</file>
+
+<file path=ppt/slides/slide6.xml><?xml version="1.0" encoding="utf-8"?>
+<p:sld xmlns:a="http://schemas.openxmlformats.org/drawingml/2006/main" xmlns:r="http://schemas.openxmlformats.org/officeDocument/2006/relationships" xmlns:p="http://schemas.openxmlformats.org/presentationml/2006/main">
+  <p:cSld>
+    <p:spTree>
+      <p:nvGrpSpPr>
+        <p:cNvPr id="1" name=""/>
+        <p:cNvGrpSpPr/>
+        <p:nvPr/>
+      </p:nvGrpSpPr>
+      <p:grpSpPr>
+        <a:xfrm>
+          <a:off x="0" y="0"/>
+          <a:ext cx="0" cy="0"/>
+          <a:chOff x="0" y="0"/>
+          <a:chExt cx="0" cy="0"/>
+        </a:xfrm>
+      </p:grpSpPr>
+      <p:sp>
+        <p:nvSpPr>
+          <p:cNvPr id="2" name="슬라이드 번호 개체 틀 1"/>
+          <p:cNvSpPr>
+            <a:spLocks noGrp="1"/>
+          </p:cNvSpPr>
+          <p:nvPr>
+            <p:ph type="sldNum" sz="quarter" idx="4"/>
+          </p:nvPr>
+        </p:nvSpPr>
+        <p:spPr/>
+        <p:txBody>
+          <a:bodyPr/>
+          <a:lstStyle/>
+          <a:p>
+            <a:fld id="{B4F3E208-3B10-45C3-AB64-9D3429F1AD1A}" type="slidenum">
+              <a:rPr lang="ko-KR" altLang="en-US" smtClean="0"/>
+              <a:pPr/>
+              <a:t>6</a:t>
+            </a:fld>
+            <a:endParaRPr lang="ko-KR" altLang="en-US"/>
+          </a:p>
+        </p:txBody>
+      </p:sp>
+      <p:sp>
+        <p:nvSpPr>
+          <p:cNvPr id="3" name="내용 개체 틀 2"/>
+          <p:cNvSpPr>
+            <a:spLocks noGrp="1"/>
+          </p:cNvSpPr>
+          <p:nvPr>
+            <p:ph idx="1"/>
+          </p:nvPr>
+        </p:nvSpPr>
+        <p:spPr/>
+        <p:txBody>
+          <a:bodyPr/>
+          <a:lstStyle/>
+          <a:p>
+            <a:endParaRPr lang="ko-KR" altLang="en-US" dirty="0"/>
+          </a:p>
+        </p:txBody>
+      </p:sp>
+      <p:sp>
+        <p:nvSpPr>
+          <p:cNvPr id="4" name="텍스트 개체 틀 3"/>
+          <p:cNvSpPr>
+            <a:spLocks noGrp="1"/>
+          </p:cNvSpPr>
+          <p:nvPr>
+            <p:ph type="body" sz="quarter" idx="10"/>
+          </p:nvPr>
+        </p:nvSpPr>
+        <p:spPr/>
+        <p:txBody>
+          <a:bodyPr/>
+          <a:lstStyle/>
+          <a:p>
+            <a:r>
+              <a:rPr lang="ko-KR" altLang="en-US" dirty="0" err="1" smtClean="0"/>
+              <a:t>협업자</a:t>
+            </a:r>
+            <a:r>
+              <a:rPr lang="ko-KR" altLang="en-US" dirty="0" smtClean="0"/>
+              <a:t> 메일 수신</a:t>
+            </a:r>
+            <a:endParaRPr lang="ko-KR" altLang="en-US" dirty="0"/>
+          </a:p>
+        </p:txBody>
+      </p:sp>
+      <p:pic>
+        <p:nvPicPr>
+          <p:cNvPr id="5" name="그림 4"/>
+          <p:cNvPicPr>
+            <a:picLocks noChangeAspect="1"/>
+          </p:cNvPicPr>
+          <p:nvPr/>
+        </p:nvPicPr>
+        <p:blipFill>
+          <a:blip r:embed="rId2"/>
+          <a:stretch>
+            <a:fillRect/>
+          </a:stretch>
+        </p:blipFill>
+        <p:spPr>
+          <a:xfrm>
+            <a:off x="2015663" y="1194314"/>
+            <a:ext cx="5199473" cy="5051109"/>
+          </a:xfrm>
+          <a:prstGeom prst="rect">
+            <a:avLst/>
+          </a:prstGeom>
+        </p:spPr>
+      </p:pic>
+    </p:spTree>
+    <p:extLst>
+      <p:ext uri="{BB962C8B-B14F-4D97-AF65-F5344CB8AC3E}">
+        <p14:creationId xmlns:p14="http://schemas.microsoft.com/office/powerpoint/2010/main" val="114561053"/>
+      </p:ext>
+    </p:extLst>
+  </p:cSld>
+  <p:clrMapOvr>
+    <a:masterClrMapping/>
+  </p:clrMapOvr>
+</p:sld>
+</file>
+
+<file path=ppt/slides/slide7.xml><?xml version="1.0" encoding="utf-8"?>
+<p:sld xmlns:a="http://schemas.openxmlformats.org/drawingml/2006/main" xmlns:r="http://schemas.openxmlformats.org/officeDocument/2006/relationships" xmlns:p="http://schemas.openxmlformats.org/presentationml/2006/main">
+  <p:cSld>
+    <p:spTree>
+      <p:nvGrpSpPr>
+        <p:cNvPr id="1" name=""/>
+        <p:cNvGrpSpPr/>
+        <p:nvPr/>
+      </p:nvGrpSpPr>
+      <p:grpSpPr>
+        <a:xfrm>
+          <a:off x="0" y="0"/>
+          <a:ext cx="0" cy="0"/>
+          <a:chOff x="0" y="0"/>
+          <a:chExt cx="0" cy="0"/>
+        </a:xfrm>
+      </p:grpSpPr>
+      <p:sp>
+        <p:nvSpPr>
+          <p:cNvPr id="2" name="슬라이드 번호 개체 틀 1"/>
+          <p:cNvSpPr>
+            <a:spLocks noGrp="1"/>
+          </p:cNvSpPr>
+          <p:nvPr>
+            <p:ph type="sldNum" sz="quarter" idx="4"/>
+          </p:nvPr>
+        </p:nvSpPr>
+        <p:spPr/>
+        <p:txBody>
+          <a:bodyPr/>
+          <a:lstStyle/>
+          <a:p>
+            <a:fld id="{B4F3E208-3B10-45C3-AB64-9D3429F1AD1A}" type="slidenum">
+              <a:rPr lang="ko-KR" altLang="en-US" smtClean="0"/>
+              <a:pPr/>
+              <a:t>7</a:t>
+            </a:fld>
+            <a:endParaRPr lang="ko-KR" altLang="en-US"/>
+          </a:p>
+        </p:txBody>
+      </p:sp>
+      <p:sp>
+        <p:nvSpPr>
+          <p:cNvPr id="3" name="내용 개체 틀 2"/>
+          <p:cNvSpPr>
+            <a:spLocks noGrp="1"/>
+          </p:cNvSpPr>
+          <p:nvPr>
+            <p:ph idx="1"/>
+          </p:nvPr>
+        </p:nvSpPr>
+        <p:spPr/>
+        <p:txBody>
+          <a:bodyPr/>
+          <a:lstStyle/>
+          <a:p>
+            <a:endParaRPr lang="ko-KR" altLang="en-US"/>
+          </a:p>
+        </p:txBody>
+      </p:sp>
+      <p:sp>
+        <p:nvSpPr>
+          <p:cNvPr id="4" name="텍스트 개체 틀 3"/>
+          <p:cNvSpPr>
+            <a:spLocks noGrp="1"/>
+          </p:cNvSpPr>
+          <p:nvPr>
+            <p:ph type="body" sz="quarter" idx="10"/>
+          </p:nvPr>
+        </p:nvSpPr>
+        <p:spPr/>
+        <p:txBody>
+          <a:bodyPr/>
+          <a:lstStyle/>
+          <a:p>
+            <a:r>
+              <a:rPr lang="ko-KR" altLang="en-US" dirty="0" err="1" smtClean="0"/>
+              <a:t>협업자</a:t>
+            </a:r>
+            <a:r>
+              <a:rPr lang="ko-KR" altLang="en-US" dirty="0" smtClean="0"/>
+              <a:t> 동의</a:t>
+            </a:r>
+            <a:endParaRPr lang="ko-KR" altLang="en-US" dirty="0"/>
+          </a:p>
+        </p:txBody>
+      </p:sp>
+      <p:pic>
+        <p:nvPicPr>
+          <p:cNvPr id="5" name="그림 4"/>
+          <p:cNvPicPr>
+            <a:picLocks noChangeAspect="1"/>
+          </p:cNvPicPr>
+          <p:nvPr/>
+        </p:nvPicPr>
+        <p:blipFill>
+          <a:blip r:embed="rId2"/>
+          <a:stretch>
+            <a:fillRect/>
+          </a:stretch>
+        </p:blipFill>
+        <p:spPr>
+          <a:xfrm>
+            <a:off x="617516" y="1594590"/>
+            <a:ext cx="7988730" cy="4250557"/>
+          </a:xfrm>
+          <a:prstGeom prst="rect">
+            <a:avLst/>
+          </a:prstGeom>
+        </p:spPr>
+      </p:pic>
+    </p:spTree>
+    <p:extLst>
+      <p:ext uri="{BB962C8B-B14F-4D97-AF65-F5344CB8AC3E}">
+        <p14:creationId xmlns:p14="http://schemas.microsoft.com/office/powerpoint/2010/main" val="3353628918"/>
+      </p:ext>
+    </p:extLst>
+  </p:cSld>
+  <p:clrMapOvr>
+    <a:masterClrMapping/>
+  </p:clrMapOvr>
+</p:sld>
+</file>
+
+<file path=ppt/slides/slide8.xml><?xml version="1.0" encoding="utf-8"?>
+<p:sld xmlns:a="http://schemas.openxmlformats.org/drawingml/2006/main" xmlns:r="http://schemas.openxmlformats.org/officeDocument/2006/relationships" xmlns:p="http://schemas.openxmlformats.org/presentationml/2006/main">
+  <p:cSld>
+    <p:spTree>
+      <p:nvGrpSpPr>
+        <p:cNvPr id="1" name=""/>
+        <p:cNvGrpSpPr/>
+        <p:nvPr/>
+      </p:nvGrpSpPr>
+      <p:grpSpPr>
+        <a:xfrm>
+          <a:off x="0" y="0"/>
+          <a:ext cx="0" cy="0"/>
+          <a:chOff x="0" y="0"/>
+          <a:chExt cx="0" cy="0"/>
+        </a:xfrm>
+      </p:grpSpPr>
+      <p:sp>
+        <p:nvSpPr>
+          <p:cNvPr id="2" name="슬라이드 번호 개체 틀 1"/>
+          <p:cNvSpPr>
+            <a:spLocks noGrp="1"/>
+          </p:cNvSpPr>
+          <p:nvPr>
+            <p:ph type="sldNum" sz="quarter" idx="4"/>
+          </p:nvPr>
+        </p:nvSpPr>
+        <p:spPr/>
+        <p:txBody>
+          <a:bodyPr/>
+          <a:lstStyle/>
+          <a:p>
+            <a:fld id="{B4F3E208-3B10-45C3-AB64-9D3429F1AD1A}" type="slidenum">
+              <a:rPr lang="ko-KR" altLang="en-US" smtClean="0"/>
+              <a:pPr/>
+              <a:t>8</a:t>
+            </a:fld>
+            <a:endParaRPr lang="ko-KR" altLang="en-US"/>
+          </a:p>
+        </p:txBody>
+      </p:sp>
+      <p:sp>
+        <p:nvSpPr>
+          <p:cNvPr id="3" name="내용 개체 틀 2"/>
+          <p:cNvSpPr>
+            <a:spLocks noGrp="1"/>
+          </p:cNvSpPr>
+          <p:nvPr>
+            <p:ph idx="1"/>
+          </p:nvPr>
+        </p:nvSpPr>
+        <p:spPr/>
+        <p:txBody>
+          <a:bodyPr/>
+          <a:lstStyle/>
+          <a:p>
+            <a:r>
+              <a:rPr lang="en-US" altLang="ko-KR" dirty="0" smtClean="0"/>
+              <a:t>Push</a:t>
+            </a:r>
+            <a:r>
+              <a:rPr lang="ko-KR" altLang="en-US" dirty="0" smtClean="0"/>
+              <a:t>도 가능</a:t>
+            </a:r>
+            <a:endParaRPr lang="en-US" altLang="ko-KR" dirty="0" smtClean="0"/>
+          </a:p>
+          <a:p>
+            <a:pPr lvl="1"/>
+            <a:r>
+              <a:rPr lang="ko-KR" altLang="en-US" dirty="0" smtClean="0"/>
+              <a:t>새로운 파일이나 기존 파일 수정 </a:t>
+            </a:r>
+            <a:r>
+              <a:rPr lang="en-US" altLang="ko-KR" dirty="0" smtClean="0"/>
+              <a:t>push </a:t>
+            </a:r>
+            <a:r>
+              <a:rPr lang="ko-KR" altLang="en-US" dirty="0" smtClean="0"/>
+              <a:t>가능</a:t>
+            </a:r>
+            <a:endParaRPr lang="ko-KR" altLang="en-US" dirty="0"/>
+          </a:p>
+        </p:txBody>
+      </p:sp>
+      <p:sp>
+        <p:nvSpPr>
+          <p:cNvPr id="4" name="텍스트 개체 틀 3"/>
+          <p:cNvSpPr>
+            <a:spLocks noGrp="1"/>
+          </p:cNvSpPr>
+          <p:nvPr>
+            <p:ph type="body" sz="quarter" idx="10"/>
+          </p:nvPr>
+        </p:nvSpPr>
+        <p:spPr/>
+        <p:txBody>
+          <a:bodyPr/>
+          <a:lstStyle/>
+          <a:p>
+            <a:r>
+              <a:rPr lang="ko-KR" altLang="en-US" dirty="0" err="1" smtClean="0"/>
+              <a:t>협업자</a:t>
+            </a:r>
+            <a:r>
+              <a:rPr lang="ko-KR" altLang="en-US" dirty="0" smtClean="0"/>
+              <a:t> 권한</a:t>
+            </a:r>
+            <a:endParaRPr lang="ko-KR" altLang="en-US" dirty="0"/>
+          </a:p>
+        </p:txBody>
+      </p:sp>
+    </p:spTree>
+    <p:extLst>
+      <p:ext uri="{BB962C8B-B14F-4D97-AF65-F5344CB8AC3E}">
+        <p14:creationId xmlns:p14="http://schemas.microsoft.com/office/powerpoint/2010/main" val="1601469014"/>
       </p:ext>
     </p:extLst>
   </p:cSld>

--- a/2021 01주 깃허브 협업자 추가 및 푸쉬.pptx
+++ b/2021 01주 깃허브 협업자 추가 및 푸쉬.pptx
@@ -6,7 +6,7 @@
     <p:sldMasterId id="2147483672" r:id="rId2"/>
   </p:sldMasterIdLst>
   <p:notesMasterIdLst>
-    <p:notesMasterId r:id="rId11"/>
+    <p:notesMasterId r:id="rId12"/>
   </p:notesMasterIdLst>
   <p:sldIdLst>
     <p:sldId id="592" r:id="rId3"/>
@@ -17,11 +17,12 @@
     <p:sldId id="609" r:id="rId8"/>
     <p:sldId id="610" r:id="rId9"/>
     <p:sldId id="611" r:id="rId10"/>
+    <p:sldId id="612" r:id="rId11"/>
   </p:sldIdLst>
   <p:sldSz cx="9144000" cy="6858000" type="screen4x3"/>
   <p:notesSz cx="6807200" cy="9939338"/>
   <p:custDataLst>
-    <p:tags r:id="rId12"/>
+    <p:tags r:id="rId13"/>
   </p:custDataLst>
   <p:defaultTextStyle>
     <a:defPPr>
@@ -47672,10 +47673,162 @@
           </a:p>
         </p:txBody>
       </p:sp>
+      <p:pic>
+        <p:nvPicPr>
+          <p:cNvPr id="5" name="그림 4"/>
+          <p:cNvPicPr>
+            <a:picLocks noChangeAspect="1"/>
+          </p:cNvPicPr>
+          <p:nvPr/>
+        </p:nvPicPr>
+        <p:blipFill>
+          <a:blip r:embed="rId2"/>
+          <a:stretch>
+            <a:fillRect/>
+          </a:stretch>
+        </p:blipFill>
+        <p:spPr>
+          <a:xfrm>
+            <a:off x="1440180" y="1891316"/>
+            <a:ext cx="6418609" cy="4227544"/>
+          </a:xfrm>
+          <a:prstGeom prst="rect">
+            <a:avLst/>
+          </a:prstGeom>
+        </p:spPr>
+      </p:pic>
     </p:spTree>
     <p:extLst>
       <p:ext uri="{BB962C8B-B14F-4D97-AF65-F5344CB8AC3E}">
         <p14:creationId xmlns:p14="http://schemas.microsoft.com/office/powerpoint/2010/main" val="1601469014"/>
+      </p:ext>
+    </p:extLst>
+  </p:cSld>
+  <p:clrMapOvr>
+    <a:masterClrMapping/>
+  </p:clrMapOvr>
+</p:sld>
+</file>
+
+<file path=ppt/slides/slide9.xml><?xml version="1.0" encoding="utf-8"?>
+<p:sld xmlns:a="http://schemas.openxmlformats.org/drawingml/2006/main" xmlns:r="http://schemas.openxmlformats.org/officeDocument/2006/relationships" xmlns:p="http://schemas.openxmlformats.org/presentationml/2006/main">
+  <p:cSld>
+    <p:spTree>
+      <p:nvGrpSpPr>
+        <p:cNvPr id="1" name=""/>
+        <p:cNvGrpSpPr/>
+        <p:nvPr/>
+      </p:nvGrpSpPr>
+      <p:grpSpPr>
+        <a:xfrm>
+          <a:off x="0" y="0"/>
+          <a:ext cx="0" cy="0"/>
+          <a:chOff x="0" y="0"/>
+          <a:chExt cx="0" cy="0"/>
+        </a:xfrm>
+      </p:grpSpPr>
+      <p:sp>
+        <p:nvSpPr>
+          <p:cNvPr id="2" name="슬라이드 번호 개체 틀 1"/>
+          <p:cNvSpPr>
+            <a:spLocks noGrp="1"/>
+          </p:cNvSpPr>
+          <p:nvPr>
+            <p:ph type="sldNum" sz="quarter" idx="4"/>
+          </p:nvPr>
+        </p:nvSpPr>
+        <p:spPr/>
+        <p:txBody>
+          <a:bodyPr/>
+          <a:lstStyle/>
+          <a:p>
+            <a:fld id="{B4F3E208-3B10-45C3-AB64-9D3429F1AD1A}" type="slidenum">
+              <a:rPr lang="ko-KR" altLang="en-US" smtClean="0"/>
+              <a:pPr/>
+              <a:t>9</a:t>
+            </a:fld>
+            <a:endParaRPr lang="ko-KR" altLang="en-US"/>
+          </a:p>
+        </p:txBody>
+      </p:sp>
+      <p:sp>
+        <p:nvSpPr>
+          <p:cNvPr id="3" name="내용 개체 틀 2"/>
+          <p:cNvSpPr>
+            <a:spLocks noGrp="1"/>
+          </p:cNvSpPr>
+          <p:nvPr>
+            <p:ph idx="1"/>
+          </p:nvPr>
+        </p:nvSpPr>
+        <p:spPr/>
+        <p:txBody>
+          <a:bodyPr/>
+          <a:lstStyle/>
+          <a:p>
+            <a:endParaRPr lang="ko-KR" altLang="en-US"/>
+          </a:p>
+        </p:txBody>
+      </p:sp>
+      <p:sp>
+        <p:nvSpPr>
+          <p:cNvPr id="4" name="텍스트 개체 틀 3"/>
+          <p:cNvSpPr>
+            <a:spLocks noGrp="1"/>
+          </p:cNvSpPr>
+          <p:nvPr>
+            <p:ph type="body" sz="quarter" idx="10"/>
+          </p:nvPr>
+        </p:nvSpPr>
+        <p:spPr/>
+        <p:txBody>
+          <a:bodyPr/>
+          <a:lstStyle/>
+          <a:p>
+            <a:r>
+              <a:rPr lang="en-US" altLang="ko-KR" dirty="0" smtClean="0"/>
+              <a:t>Commit </a:t>
+            </a:r>
+            <a:r>
+              <a:rPr lang="ko-KR" altLang="en-US" dirty="0" smtClean="0"/>
+              <a:t>후 </a:t>
+            </a:r>
+            <a:r>
+              <a:rPr lang="en-US" altLang="ko-KR" dirty="0" smtClean="0"/>
+              <a:t>push</a:t>
+            </a:r>
+            <a:endParaRPr lang="ko-KR" altLang="en-US" dirty="0"/>
+          </a:p>
+        </p:txBody>
+      </p:sp>
+      <p:pic>
+        <p:nvPicPr>
+          <p:cNvPr id="5" name="그림 4"/>
+          <p:cNvPicPr>
+            <a:picLocks noChangeAspect="1"/>
+          </p:cNvPicPr>
+          <p:nvPr/>
+        </p:nvPicPr>
+        <p:blipFill>
+          <a:blip r:embed="rId2"/>
+          <a:stretch>
+            <a:fillRect/>
+          </a:stretch>
+        </p:blipFill>
+        <p:spPr>
+          <a:xfrm>
+            <a:off x="998220" y="1175816"/>
+            <a:ext cx="7452669" cy="5088105"/>
+          </a:xfrm>
+          <a:prstGeom prst="rect">
+            <a:avLst/>
+          </a:prstGeom>
+        </p:spPr>
+      </p:pic>
+    </p:spTree>
+    <p:extLst>
+      <p:ext uri="{BB962C8B-B14F-4D97-AF65-F5344CB8AC3E}">
+        <p14:creationId xmlns:p14="http://schemas.microsoft.com/office/powerpoint/2010/main" val="3079756858"/>
       </p:ext>
     </p:extLst>
   </p:cSld>
